--- a/ЛБ3/Pas/ЛБ_03.pptx
+++ b/ЛБ3/Pas/ЛБ_03.pptx
@@ -118,7 +118,7 @@
   </p:defaultTextStyle>
   <p:extLst>
     <p:ext uri="{EFAFB233-063F-42B5-8137-9DF3F51BA10A}">
-      <p15:sldGuideLst xmlns:p15="http://schemas.microsoft.com/office/powerpoint/2012/main">
+      <p15:sldGuideLst xmlns:p15="http://schemas.microsoft.com/office/powerpoint/2012/main" xmlns="">
         <p15:guide id="1" orient="horz" pos="2160">
           <p15:clr>
             <a:srgbClr val="A4A3A4"/>
@@ -217,7 +217,7 @@
           <a:p>
             <a:fld id="{3A960DF9-DE47-4E4A-B265-34572ADD54FA}" type="datetimeFigureOut">
               <a:rPr lang="ru-RU" smtClean="0"/>
-              <a:t>15.03.2020</a:t>
+              <a:t>17.03.2020</a:t>
             </a:fld>
             <a:endParaRPr lang="ru-RU"/>
           </a:p>
@@ -1371,7 +1371,7 @@
           <a:p>
             <a:fld id="{6BFE5147-043A-4B0D-87E8-D7683060DE87}" type="datetime1">
               <a:rPr lang="ru-RU" smtClean="0"/>
-              <a:t>15.03.2020</a:t>
+              <a:t>17.03.2020</a:t>
             </a:fld>
             <a:endParaRPr lang="ru-RU"/>
           </a:p>
@@ -1541,7 +1541,7 @@
           <a:p>
             <a:fld id="{37C1EF44-ED26-43E0-BA3A-D9DEE8A63013}" type="datetime1">
               <a:rPr lang="ru-RU" smtClean="0"/>
-              <a:t>15.03.2020</a:t>
+              <a:t>17.03.2020</a:t>
             </a:fld>
             <a:endParaRPr lang="ru-RU"/>
           </a:p>
@@ -1721,7 +1721,7 @@
           <a:p>
             <a:fld id="{7DA820EB-6145-4D68-ABFE-B4C93F0A68CC}" type="datetime1">
               <a:rPr lang="ru-RU" smtClean="0"/>
-              <a:t>15.03.2020</a:t>
+              <a:t>17.03.2020</a:t>
             </a:fld>
             <a:endParaRPr lang="ru-RU"/>
           </a:p>
@@ -1891,7 +1891,7 @@
           <a:p>
             <a:fld id="{4B0FC6FE-F15A-46A7-8A22-8F05E9027412}" type="datetime1">
               <a:rPr lang="ru-RU" smtClean="0"/>
-              <a:t>15.03.2020</a:t>
+              <a:t>17.03.2020</a:t>
             </a:fld>
             <a:endParaRPr lang="ru-RU"/>
           </a:p>
@@ -2149,7 +2149,7 @@
           <a:p>
             <a:fld id="{CBE828BE-4D9E-48CA-A3CE-8899A6EE9C42}" type="datetime1">
               <a:rPr lang="ru-RU" smtClean="0"/>
-              <a:t>15.03.2020</a:t>
+              <a:t>17.03.2020</a:t>
             </a:fld>
             <a:endParaRPr lang="ru-RU"/>
           </a:p>
@@ -2381,7 +2381,7 @@
           <a:p>
             <a:fld id="{05EA80A6-BEB7-4A57-B257-1C77AC2D22BE}" type="datetime1">
               <a:rPr lang="ru-RU" smtClean="0"/>
-              <a:t>15.03.2020</a:t>
+              <a:t>17.03.2020</a:t>
             </a:fld>
             <a:endParaRPr lang="ru-RU"/>
           </a:p>
@@ -2748,7 +2748,7 @@
           <a:p>
             <a:fld id="{7099FE4B-3362-4A16-9422-9B9869F3D300}" type="datetime1">
               <a:rPr lang="ru-RU" smtClean="0"/>
-              <a:t>15.03.2020</a:t>
+              <a:t>17.03.2020</a:t>
             </a:fld>
             <a:endParaRPr lang="ru-RU"/>
           </a:p>
@@ -2866,7 +2866,7 @@
           <a:p>
             <a:fld id="{E5419F88-6F7E-4542-9CF1-B5871133C13B}" type="datetime1">
               <a:rPr lang="ru-RU" smtClean="0"/>
-              <a:t>15.03.2020</a:t>
+              <a:t>17.03.2020</a:t>
             </a:fld>
             <a:endParaRPr lang="ru-RU"/>
           </a:p>
@@ -2961,7 +2961,7 @@
           <a:p>
             <a:fld id="{8D9901B3-E0AA-4832-A619-A1DD3A267C28}" type="datetime1">
               <a:rPr lang="ru-RU" smtClean="0"/>
-              <a:t>15.03.2020</a:t>
+              <a:t>17.03.2020</a:t>
             </a:fld>
             <a:endParaRPr lang="ru-RU"/>
           </a:p>
@@ -3238,7 +3238,7 @@
           <a:p>
             <a:fld id="{2E501ED4-C4CE-42B7-A79E-972CCAA488CB}" type="datetime1">
               <a:rPr lang="ru-RU" smtClean="0"/>
-              <a:t>15.03.2020</a:t>
+              <a:t>17.03.2020</a:t>
             </a:fld>
             <a:endParaRPr lang="ru-RU"/>
           </a:p>
@@ -3495,7 +3495,7 @@
           <a:p>
             <a:fld id="{9B55F623-2FEB-48C0-B44D-6550A9DB8F24}" type="datetime1">
               <a:rPr lang="ru-RU" smtClean="0"/>
-              <a:t>15.03.2020</a:t>
+              <a:t>17.03.2020</a:t>
             </a:fld>
             <a:endParaRPr lang="ru-RU"/>
           </a:p>
@@ -3708,7 +3708,7 @@
           <a:p>
             <a:fld id="{C8A12151-9994-4648-89BE-23843A06C76F}" type="datetime1">
               <a:rPr lang="ru-RU" smtClean="0"/>
-              <a:t>15.03.2020</a:t>
+              <a:t>17.03.2020</a:t>
             </a:fld>
             <a:endParaRPr lang="ru-RU"/>
           </a:p>
@@ -11091,7 +11091,7 @@
           <a:graphicData uri="http://schemas.openxmlformats.org/presentationml/2006/ole">
             <mc:AlternateContent xmlns:mc="http://schemas.openxmlformats.org/markup-compatibility/2006">
               <mc:Choice xmlns:v="urn:schemas-microsoft-com:vml" Requires="v">
-                <p:oleObj spid="_x0000_s7186" name="CS ChemDraw Drawing" r:id="rId4" imgW="7759940" imgH="2460819" progId="ChemDraw.Document.6.0">
+                <p:oleObj spid="_x0000_s7188" name="CS ChemDraw Drawing" r:id="rId4" imgW="7759940" imgH="2460819" progId="ChemDraw.Document.6.0">
                   <p:embed/>
                 </p:oleObj>
               </mc:Choice>
@@ -11256,35 +11256,35 @@
                 <a:gridCol w="828000">
                   <a:extLst>
                     <a:ext uri="{9D8B030D-6E8A-4147-A177-3AD203B41FA5}">
-                      <a16:colId xmlns:a16="http://schemas.microsoft.com/office/drawing/2014/main" val="1686668424"/>
+                      <a16:colId xmlns:a16="http://schemas.microsoft.com/office/drawing/2014/main" xmlns="" val="1686668424"/>
                     </a:ext>
                   </a:extLst>
                 </a:gridCol>
                 <a:gridCol w="828000">
                   <a:extLst>
                     <a:ext uri="{9D8B030D-6E8A-4147-A177-3AD203B41FA5}">
-                      <a16:colId xmlns:a16="http://schemas.microsoft.com/office/drawing/2014/main" val="431319422"/>
+                      <a16:colId xmlns:a16="http://schemas.microsoft.com/office/drawing/2014/main" xmlns="" val="431319422"/>
                     </a:ext>
                   </a:extLst>
                 </a:gridCol>
                 <a:gridCol w="828000">
                   <a:extLst>
                     <a:ext uri="{9D8B030D-6E8A-4147-A177-3AD203B41FA5}">
-                      <a16:colId xmlns:a16="http://schemas.microsoft.com/office/drawing/2014/main" val="480000495"/>
+                      <a16:colId xmlns:a16="http://schemas.microsoft.com/office/drawing/2014/main" xmlns="" val="480000495"/>
                     </a:ext>
                   </a:extLst>
                 </a:gridCol>
                 <a:gridCol w="828000">
                   <a:extLst>
                     <a:ext uri="{9D8B030D-6E8A-4147-A177-3AD203B41FA5}">
-                      <a16:colId xmlns:a16="http://schemas.microsoft.com/office/drawing/2014/main" val="1843216258"/>
+                      <a16:colId xmlns:a16="http://schemas.microsoft.com/office/drawing/2014/main" xmlns="" val="1843216258"/>
                     </a:ext>
                   </a:extLst>
                 </a:gridCol>
                 <a:gridCol w="828000">
                   <a:extLst>
                     <a:ext uri="{9D8B030D-6E8A-4147-A177-3AD203B41FA5}">
-                      <a16:colId xmlns:a16="http://schemas.microsoft.com/office/drawing/2014/main" val="3995292654"/>
+                      <a16:colId xmlns:a16="http://schemas.microsoft.com/office/drawing/2014/main" xmlns="" val="3995292654"/>
                     </a:ext>
                   </a:extLst>
                 </a:gridCol>
@@ -11368,7 +11368,7 @@
                 </a:tc>
                 <a:extLst>
                   <a:ext uri="{0D108BD9-81ED-4DB2-BD59-A6C34878D82A}">
-                    <a16:rowId xmlns:a16="http://schemas.microsoft.com/office/drawing/2014/main" val="3811042000"/>
+                    <a16:rowId xmlns:a16="http://schemas.microsoft.com/office/drawing/2014/main" xmlns="" val="3811042000"/>
                   </a:ext>
                 </a:extLst>
               </a:tr>
@@ -11537,7 +11537,7 @@
                 </a:tc>
                 <a:extLst>
                   <a:ext uri="{0D108BD9-81ED-4DB2-BD59-A6C34878D82A}">
-                    <a16:rowId xmlns:a16="http://schemas.microsoft.com/office/drawing/2014/main" val="3370391463"/>
+                    <a16:rowId xmlns:a16="http://schemas.microsoft.com/office/drawing/2014/main" xmlns="" val="3370391463"/>
                   </a:ext>
                 </a:extLst>
               </a:tr>
@@ -11659,7 +11659,7 @@
                 </a:tc>
                 <a:extLst>
                   <a:ext uri="{0D108BD9-81ED-4DB2-BD59-A6C34878D82A}">
-                    <a16:rowId xmlns:a16="http://schemas.microsoft.com/office/drawing/2014/main" val="347568745"/>
+                    <a16:rowId xmlns:a16="http://schemas.microsoft.com/office/drawing/2014/main" xmlns="" val="347568745"/>
                   </a:ext>
                 </a:extLst>
               </a:tr>
@@ -14950,7 +14950,7 @@
           <a:graphicData uri="http://schemas.openxmlformats.org/presentationml/2006/ole">
             <mc:AlternateContent xmlns:mc="http://schemas.openxmlformats.org/markup-compatibility/2006">
               <mc:Choice xmlns:v="urn:schemas-microsoft-com:vml" Requires="v">
-                <p:oleObj spid="_x0000_s3205" name="Equation" r:id="rId4" imgW="977760" imgH="457200" progId="Equation.DSMT4">
+                <p:oleObj spid="_x0000_s3213" name="Equation" r:id="rId4" imgW="977760" imgH="457200" progId="Equation.DSMT4">
                   <p:embed/>
                 </p:oleObj>
               </mc:Choice>
@@ -15178,7 +15178,7 @@
           <a:graphicData uri="http://schemas.openxmlformats.org/presentationml/2006/ole">
             <mc:AlternateContent xmlns:mc="http://schemas.openxmlformats.org/markup-compatibility/2006">
               <mc:Choice xmlns:v="urn:schemas-microsoft-com:vml" Requires="v">
-                <p:oleObj spid="_x0000_s3206" name="Equation" r:id="rId6" imgW="799920" imgH="317160" progId="Equation.DSMT4">
+                <p:oleObj spid="_x0000_s3214" name="Equation" r:id="rId6" imgW="799920" imgH="317160" progId="Equation.DSMT4">
                   <p:embed/>
                 </p:oleObj>
               </mc:Choice>
@@ -15265,7 +15265,7 @@
           <a:graphicData uri="http://schemas.openxmlformats.org/presentationml/2006/ole">
             <mc:AlternateContent xmlns:mc="http://schemas.openxmlformats.org/markup-compatibility/2006">
               <mc:Choice xmlns:v="urn:schemas-microsoft-com:vml" Requires="v">
-                <p:oleObj spid="_x0000_s3207" name="Equation" r:id="rId8" imgW="2539800" imgH="749160" progId="Equation.DSMT4">
+                <p:oleObj spid="_x0000_s3215" name="Equation" r:id="rId8" imgW="2539800" imgH="749160" progId="Equation.DSMT4">
                   <p:embed/>
                 </p:oleObj>
               </mc:Choice>
@@ -15322,7 +15322,7 @@
           <a:graphicData uri="http://schemas.openxmlformats.org/presentationml/2006/ole">
             <mc:AlternateContent xmlns:mc="http://schemas.openxmlformats.org/markup-compatibility/2006">
               <mc:Choice xmlns:v="urn:schemas-microsoft-com:vml" Requires="v">
-                <p:oleObj spid="_x0000_s3208" name="Equation" r:id="rId10" imgW="1942920" imgH="1054080" progId="Equation.DSMT4">
+                <p:oleObj spid="_x0000_s3216" name="Equation" r:id="rId10" imgW="1942920" imgH="1054080" progId="Equation.DSMT4">
                   <p:embed/>
                 </p:oleObj>
               </mc:Choice>
@@ -18817,7 +18817,7 @@
           <a:graphicData uri="http://schemas.openxmlformats.org/presentationml/2006/ole">
             <mc:AlternateContent xmlns:mc="http://schemas.openxmlformats.org/markup-compatibility/2006">
               <mc:Choice xmlns:v="urn:schemas-microsoft-com:vml" Requires="v">
-                <p:oleObj spid="_x0000_s6169" name="Equation" r:id="rId6" imgW="1701720" imgH="1269720" progId="Equation.DSMT4">
+                <p:oleObj spid="_x0000_s6171" name="Equation" r:id="rId6" imgW="1701720" imgH="1269720" progId="Equation.DSMT4">
                   <p:embed/>
                 </p:oleObj>
               </mc:Choice>
@@ -18893,6 +18893,10 @@
             <a:r>
               <a:rPr lang="ru-RU" dirty="0"/>
               <a:t>с шагом </a:t>
+            </a:r>
+            <a:r>
+              <a:rPr lang="en-US" dirty="0"/>
+              <a:t/>
             </a:r>
             <a:br>
               <a:rPr lang="en-US" dirty="0"/>
@@ -22343,7 +22347,7 @@
           <p:cNvPr id="2" name="Прямоугольник 1">
             <a:extLst>
               <a:ext uri="{FF2B5EF4-FFF2-40B4-BE49-F238E27FC236}">
-                <a16:creationId xmlns:a16="http://schemas.microsoft.com/office/drawing/2014/main" id="{260EE87F-F161-460C-90B1-1FA7D4E7C247}"/>
+                <a16:creationId xmlns:a16="http://schemas.microsoft.com/office/drawing/2014/main" xmlns="" id="{260EE87F-F161-460C-90B1-1FA7D4E7C247}"/>
               </a:ext>
             </a:extLst>
           </p:cNvPr>
@@ -22583,13 +22587,13 @@
               <a:t>                    </a:t>
             </a:r>
             <a:r>
-              <a:rPr lang="en-US" sz="1600" dirty="0" err="1">
+              <a:rPr lang="en-US" sz="1600" dirty="0" err="1" smtClean="0">
                 <a:solidFill>
                   <a:srgbClr val="000000"/>
                 </a:solidFill>
                 <a:latin typeface="Courier New" panose="02070309020205020404" pitchFamily="49" charset="0"/>
               </a:rPr>
-              <a:t>react_count</a:t>
+              <a:t>comp_count</a:t>
             </a:r>
             <a:r>
               <a:rPr lang="en-US" sz="1600" dirty="0">
@@ -26182,7 +26186,7 @@
           <p:cNvPr id="4" name="Прямоугольник 3">
             <a:extLst>
               <a:ext uri="{FF2B5EF4-FFF2-40B4-BE49-F238E27FC236}">
-                <a16:creationId xmlns:a16="http://schemas.microsoft.com/office/drawing/2014/main" id="{777EB13F-0861-45A0-A716-2B16837485EB}"/>
+                <a16:creationId xmlns:a16="http://schemas.microsoft.com/office/drawing/2014/main" xmlns="" id="{777EB13F-0861-45A0-A716-2B16837485EB}"/>
               </a:ext>
             </a:extLst>
           </p:cNvPr>
@@ -30320,7 +30324,7 @@
           <p:cNvPr id="2" name="Прямоугольник 1">
             <a:extLst>
               <a:ext uri="{FF2B5EF4-FFF2-40B4-BE49-F238E27FC236}">
-                <a16:creationId xmlns:a16="http://schemas.microsoft.com/office/drawing/2014/main" id="{0DD40D2B-6925-4295-8C5A-E01F7CBDB5B7}"/>
+                <a16:creationId xmlns:a16="http://schemas.microsoft.com/office/drawing/2014/main" xmlns="" id="{0DD40D2B-6925-4295-8C5A-E01F7CBDB5B7}"/>
               </a:ext>
             </a:extLst>
           </p:cNvPr>
@@ -35002,7 +35006,7 @@
           <p:cNvPr id="4" name="Прямоугольник 3">
             <a:extLst>
               <a:ext uri="{FF2B5EF4-FFF2-40B4-BE49-F238E27FC236}">
-                <a16:creationId xmlns:a16="http://schemas.microsoft.com/office/drawing/2014/main" id="{DADE6A95-F94C-4788-A7D6-9360C308FDF3}"/>
+                <a16:creationId xmlns:a16="http://schemas.microsoft.com/office/drawing/2014/main" xmlns="" id="{DADE6A95-F94C-4788-A7D6-9360C308FDF3}"/>
               </a:ext>
             </a:extLst>
           </p:cNvPr>
@@ -35647,13 +35651,13 @@
               <a:t>                           </a:t>
             </a:r>
             <a:r>
-              <a:rPr lang="en-US" sz="1400" dirty="0" err="1">
+              <a:rPr lang="en-US" sz="1400" dirty="0" err="1" smtClean="0">
                 <a:solidFill>
                   <a:srgbClr val="000000"/>
                 </a:solidFill>
                 <a:latin typeface="Courier New" panose="02070309020205020404" pitchFamily="49" charset="0"/>
               </a:rPr>
-              <a:t>react_count</a:t>
+              <a:t>comp_count</a:t>
             </a:r>
             <a:r>
               <a:rPr lang="en-US" sz="1400" dirty="0">
@@ -39574,7 +39578,7 @@
           <p:cNvPr id="2" name="Прямоугольник 1">
             <a:extLst>
               <a:ext uri="{FF2B5EF4-FFF2-40B4-BE49-F238E27FC236}">
-                <a16:creationId xmlns:a16="http://schemas.microsoft.com/office/drawing/2014/main" id="{EF6345D1-30AE-47FD-933E-5FFD5D8E7643}"/>
+                <a16:creationId xmlns:a16="http://schemas.microsoft.com/office/drawing/2014/main" xmlns="" id="{EF6345D1-30AE-47FD-933E-5FFD5D8E7643}"/>
               </a:ext>
             </a:extLst>
           </p:cNvPr>
@@ -43783,7 +43787,7 @@
           <p:cNvPr id="6" name="Рисунок 5" descr="Изображение выглядит как карта&#10;&#10;Описание создано автоматически">
             <a:extLst>
               <a:ext uri="{FF2B5EF4-FFF2-40B4-BE49-F238E27FC236}">
-                <a16:creationId xmlns:a16="http://schemas.microsoft.com/office/drawing/2014/main" id="{355BBC4C-3004-40B9-9C37-58BBE8A6DD39}"/>
+                <a16:creationId xmlns:a16="http://schemas.microsoft.com/office/drawing/2014/main" xmlns="" id="{355BBC4C-3004-40B9-9C37-58BBE8A6DD39}"/>
               </a:ext>
             </a:extLst>
           </p:cNvPr>
@@ -44082,7 +44086,7 @@
   <a:extraClrSchemeLst/>
   <a:extLst>
     <a:ext uri="{05A4C25C-085E-4340-85A3-A5531E510DB2}">
-      <thm15:themeFamily xmlns:thm15="http://schemas.microsoft.com/office/thememl/2012/main" name="Office Theme" id="{62F939B6-93AF-4DB8-9C6B-D6C7DFDC589F}" vid="{4A3C46E8-61CC-4603-A589-7422A47A8E4A}"/>
+      <thm15:themeFamily xmlns:thm15="http://schemas.microsoft.com/office/thememl/2012/main" xmlns="" name="Office Theme" id="{62F939B6-93AF-4DB8-9C6B-D6C7DFDC589F}" vid="{4A3C46E8-61CC-4603-A589-7422A47A8E4A}"/>
     </a:ext>
   </a:extLst>
 </a:theme>
@@ -44343,7 +44347,7 @@
   <a:extraClrSchemeLst/>
   <a:extLst>
     <a:ext uri="{05A4C25C-085E-4340-85A3-A5531E510DB2}">
-      <thm15:themeFamily xmlns:thm15="http://schemas.microsoft.com/office/thememl/2012/main" name="Office Theme" id="{62F939B6-93AF-4DB8-9C6B-D6C7DFDC589F}" vid="{4A3C46E8-61CC-4603-A589-7422A47A8E4A}"/>
+      <thm15:themeFamily xmlns:thm15="http://schemas.microsoft.com/office/thememl/2012/main" xmlns="" name="Office Theme" id="{62F939B6-93AF-4DB8-9C6B-D6C7DFDC589F}" vid="{4A3C46E8-61CC-4603-A589-7422A47A8E4A}"/>
     </a:ext>
   </a:extLst>
 </a:theme>
